--- a/doc/20231001_10_Cronograma de alto nivel - Hitos.pptx
+++ b/doc/20231001_10_Cronograma de alto nivel - Hitos.pptx
@@ -257,7 +257,7 @@
       </p15:sldGuideLst>
     </p:ext>
     <p:ext uri="GoogleSlidesCustomDataVersion2">
-      <go:slidesCustomData xmlns:go="http://customooxmlschemas.google.com/" r:id="rId7" roundtripDataSignature="AMtx7mjsTaTxDJptcplkAnHujr29pzeaIg=="/>
+      <go:slidesCustomData xmlns:go="http://customooxmlschemas.google.com/" r:id="rId7" roundtripDataSignature="AMtx7mgANZQBitCSPnUspazyyA/ZQ402MA=="/>
     </p:ext>
   </p:extLst>
 </p:presentation>
@@ -10878,7 +10878,7 @@
         </p:nvCxnSpPr>
         <p:spPr>
           <a:xfrm flipH="1" rot="10800000">
-            <a:off x="662133" y="4939901"/>
+            <a:off x="278408" y="4953714"/>
             <a:ext cx="4486200" cy="25500"/>
           </a:xfrm>
           <a:prstGeom prst="straightConnector1">
@@ -10896,66 +10896,6 @@
           </a:ln>
         </p:spPr>
       </p:cxnSp>
-      <p:sp>
-        <p:nvSpPr>
-          <p:cNvPr id="86" name="Google Shape;86;p1"/>
-          <p:cNvSpPr/>
-          <p:nvPr/>
-        </p:nvSpPr>
-        <p:spPr>
-          <a:xfrm>
-            <a:off x="5148333" y="4838351"/>
-            <a:ext cx="648900" cy="203100"/>
-          </a:xfrm>
-          <a:prstGeom prst="homePlate">
-            <a:avLst>
-              <a:gd fmla="val 50000" name="adj"/>
-            </a:avLst>
-          </a:prstGeom>
-          <a:solidFill>
-            <a:srgbClr val="9BBB59"/>
-          </a:solidFill>
-          <a:ln>
-            <a:noFill/>
-          </a:ln>
-          <a:effectLst>
-            <a:outerShdw blurRad="44450">
-              <a:srgbClr val="000000">
-                <a:alpha val="29803"/>
-              </a:srgbClr>
-            </a:outerShdw>
-          </a:effectLst>
-        </p:spPr>
-        <p:txBody>
-          <a:bodyPr anchorCtr="0" anchor="ctr" bIns="45700" lIns="91425" spcFirstLastPara="1" rIns="91425" wrap="square" tIns="45700">
-            <a:noAutofit/>
-          </a:bodyPr>
-          <a:lstStyle/>
-          <a:p>
-            <a:pPr indent="0" lvl="0" marL="0" marR="0" rtl="0" algn="ctr">
-              <a:spcBef>
-                <a:spcPts val="0"/>
-              </a:spcBef>
-              <a:spcAft>
-                <a:spcPts val="0"/>
-              </a:spcAft>
-              <a:buNone/>
-            </a:pPr>
-            <a:r>
-              <a:t/>
-            </a:r>
-            <a:endParaRPr b="0" i="0" sz="1800" u="none" cap="none" strike="noStrike">
-              <a:solidFill>
-                <a:schemeClr val="lt1"/>
-              </a:solidFill>
-              <a:latin typeface="Calibri"/>
-              <a:ea typeface="Calibri"/>
-              <a:cs typeface="Calibri"/>
-              <a:sym typeface="Calibri"/>
-            </a:endParaRPr>
-          </a:p>
-        </p:txBody>
-      </p:sp>
       <p:cxnSp>
         <p:nvCxnSpPr>
           <p:cNvPr id="87" name="Google Shape;87;p1"/>
@@ -10966,7 +10906,7 @@
         </p:nvCxnSpPr>
         <p:spPr>
           <a:xfrm>
-            <a:off x="662119" y="4635050"/>
+            <a:off x="340475" y="4682250"/>
             <a:ext cx="3579600" cy="0"/>
           </a:xfrm>
           <a:prstGeom prst="straightConnector1">
@@ -10992,8 +10932,8 @@
         </p:nvSpPr>
         <p:spPr>
           <a:xfrm>
-            <a:off x="4241719" y="4533500"/>
-            <a:ext cx="906600" cy="203100"/>
+            <a:off x="3920075" y="4580700"/>
+            <a:ext cx="724500" cy="203100"/>
           </a:xfrm>
           <a:prstGeom prst="rect">
             <a:avLst/>
@@ -11078,8 +11018,8 @@
         </p:nvSpPr>
         <p:spPr>
           <a:xfrm>
-            <a:off x="3207625" y="4218413"/>
-            <a:ext cx="1034100" cy="203100"/>
+            <a:off x="2945075" y="4207663"/>
+            <a:ext cx="975000" cy="203100"/>
           </a:xfrm>
           <a:prstGeom prst="rect">
             <a:avLst/>
@@ -11162,8 +11102,8 @@
         </p:nvSpPr>
         <p:spPr>
           <a:xfrm>
-            <a:off x="2301024" y="3812863"/>
-            <a:ext cx="906600" cy="203100"/>
+            <a:off x="2149100" y="3812863"/>
+            <a:ext cx="779100" cy="203100"/>
           </a:xfrm>
           <a:prstGeom prst="rect">
             <a:avLst/>
@@ -11246,8 +11186,8 @@
         </p:nvSpPr>
         <p:spPr>
           <a:xfrm>
-            <a:off x="1262874" y="3509526"/>
-            <a:ext cx="1038300" cy="203100"/>
+            <a:off x="1131225" y="3502000"/>
+            <a:ext cx="975000" cy="203100"/>
           </a:xfrm>
           <a:prstGeom prst="rect">
             <a:avLst/>
@@ -11261,7 +11201,7 @@
           <a:effectLst>
             <a:outerShdw blurRad="44450">
               <a:srgbClr val="000000">
-                <a:alpha val="29803"/>
+                <a:alpha val="29800"/>
               </a:srgbClr>
             </a:outerShdw>
           </a:effectLst>
@@ -11337,7 +11277,7 @@
         </p:nvCxnSpPr>
         <p:spPr>
           <a:xfrm flipH="1">
-            <a:off x="2443075" y="1568525"/>
+            <a:off x="2726638" y="1568538"/>
             <a:ext cx="20700" cy="1388700"/>
           </a:xfrm>
           <a:prstGeom prst="straightConnector1">
@@ -11872,8 +11812,8 @@
         </p:nvSpPr>
         <p:spPr>
           <a:xfrm>
-            <a:off x="1075495" y="3132673"/>
-            <a:ext cx="2399100" cy="63600"/>
+            <a:off x="1075500" y="3132675"/>
+            <a:ext cx="1302300" cy="63600"/>
           </a:xfrm>
           <a:prstGeom prst="rect">
             <a:avLst/>
@@ -11925,7 +11865,7 @@
         </p:nvSpPr>
         <p:spPr>
           <a:xfrm>
-            <a:off x="2778202" y="3188798"/>
+            <a:off x="2305827" y="3214098"/>
             <a:ext cx="126900" cy="139800"/>
           </a:xfrm>
           <a:prstGeom prst="triangle">
@@ -12094,8 +12034,8 @@
         </p:nvSpPr>
         <p:spPr>
           <a:xfrm>
-            <a:off x="6135461" y="2013550"/>
-            <a:ext cx="703200" cy="135600"/>
+            <a:off x="6166973" y="1878100"/>
+            <a:ext cx="841500" cy="406500"/>
           </a:xfrm>
           <a:prstGeom prst="rect">
             <a:avLst/>
@@ -12133,7 +12073,19 @@
                 <a:cs typeface="Calibri"/>
                 <a:sym typeface="Calibri"/>
               </a:rPr>
-              <a:t>Milestone 5</a:t>
+              <a:t>Desarrollo del Módulo Odontograma</a:t>
+            </a:r>
+            <a:r>
+              <a:rPr lang="en-US" sz="1100">
+                <a:solidFill>
+                  <a:schemeClr val="dk1"/>
+                </a:solidFill>
+                <a:latin typeface="Calibri"/>
+                <a:ea typeface="Calibri"/>
+                <a:cs typeface="Calibri"/>
+                <a:sym typeface="Calibri"/>
+              </a:rPr>
+              <a:t>:</a:t>
             </a:r>
             <a:endParaRPr sz="1100">
               <a:solidFill>
@@ -12213,8 +12165,8 @@
         </p:nvSpPr>
         <p:spPr>
           <a:xfrm>
-            <a:off x="3591193" y="1852304"/>
-            <a:ext cx="703200" cy="135600"/>
+            <a:off x="3602652" y="1499275"/>
+            <a:ext cx="896100" cy="406500"/>
           </a:xfrm>
           <a:prstGeom prst="rect">
             <a:avLst/>
@@ -12252,7 +12204,19 @@
                 <a:cs typeface="Calibri"/>
                 <a:sym typeface="Calibri"/>
               </a:rPr>
-              <a:t>Milestone 3</a:t>
+              <a:t>Desarrollo del Módulo de Administrativo</a:t>
+            </a:r>
+            <a:r>
+              <a:rPr lang="en-US" sz="1100">
+                <a:solidFill>
+                  <a:schemeClr val="dk1"/>
+                </a:solidFill>
+                <a:latin typeface="Calibri"/>
+                <a:ea typeface="Calibri"/>
+                <a:cs typeface="Calibri"/>
+                <a:sym typeface="Calibri"/>
+              </a:rPr>
+              <a:t>:</a:t>
             </a:r>
             <a:endParaRPr sz="1100">
               <a:solidFill>
@@ -12274,7 +12238,7 @@
         </p:nvSpPr>
         <p:spPr>
           <a:xfrm rot="-5400000">
-            <a:off x="2441349" y="1450086"/>
+            <a:off x="2737474" y="1540161"/>
             <a:ext cx="165100" cy="165100"/>
           </a:xfrm>
           <a:prstGeom prst="flowChartMerge">
@@ -12332,8 +12296,8 @@
         </p:nvSpPr>
         <p:spPr>
           <a:xfrm>
-            <a:off x="2669949" y="1375281"/>
-            <a:ext cx="703263" cy="135422"/>
+            <a:off x="2554400" y="1132950"/>
+            <a:ext cx="975000" cy="406500"/>
           </a:xfrm>
           <a:prstGeom prst="rect">
             <a:avLst/>
@@ -12371,7 +12335,7 @@
                 <a:cs typeface="Calibri"/>
                 <a:sym typeface="Calibri"/>
               </a:rPr>
-              <a:t>Milestone 2</a:t>
+              <a:t>Desarrollo del Módulo de Autenticación:</a:t>
             </a:r>
             <a:endParaRPr sz="1100">
               <a:solidFill>
@@ -12451,8 +12415,8 @@
         </p:nvSpPr>
         <p:spPr>
           <a:xfrm>
-            <a:off x="1632517" y="1852303"/>
-            <a:ext cx="703200" cy="135600"/>
+            <a:off x="1536351" y="1052425"/>
+            <a:ext cx="841500" cy="812700"/>
           </a:xfrm>
           <a:prstGeom prst="rect">
             <a:avLst/>
@@ -12490,7 +12454,7 @@
                 <a:cs typeface="Calibri"/>
                 <a:sym typeface="Calibri"/>
               </a:rPr>
-              <a:t>Milestone 1</a:t>
+              <a:t>Diseño de la Interfaz de Usuario y Experiencia de Usuario (UI/UX):</a:t>
             </a:r>
             <a:endParaRPr sz="1100">
               <a:solidFill>
@@ -12570,7 +12534,7 @@
         </p:nvSpPr>
         <p:spPr>
           <a:xfrm>
-            <a:off x="2301023" y="3534925"/>
+            <a:off x="2121998" y="3516238"/>
             <a:ext cx="1038000" cy="152400"/>
           </a:xfrm>
           <a:prstGeom prst="rect">
@@ -12606,7 +12570,7 @@
                 <a:cs typeface="Calibri"/>
                 <a:sym typeface="Calibri"/>
               </a:rPr>
-              <a:t>Sep 19 Oct 3</a:t>
+              <a:t>Set 11 - Set 29</a:t>
             </a:r>
             <a:endParaRPr sz="1000">
               <a:solidFill>
@@ -12628,8 +12592,8 @@
         </p:nvSpPr>
         <p:spPr>
           <a:xfrm>
-            <a:off x="1262874" y="3509526"/>
-            <a:ext cx="1038300" cy="203100"/>
+            <a:off x="1131225" y="3502000"/>
+            <a:ext cx="975000" cy="203100"/>
           </a:xfrm>
           <a:prstGeom prst="rect">
             <a:avLst/>
@@ -12760,7 +12724,7 @@
         </p:nvSpPr>
         <p:spPr>
           <a:xfrm>
-            <a:off x="3237282" y="3842076"/>
+            <a:off x="3011832" y="3830964"/>
             <a:ext cx="841500" cy="152400"/>
           </a:xfrm>
           <a:prstGeom prst="rect">
@@ -12796,7 +12760,7 @@
                 <a:cs typeface="Calibri"/>
                 <a:sym typeface="Calibri"/>
               </a:rPr>
-              <a:t>Oct 4</a:t>
+              <a:t>Oct 2 </a:t>
             </a:r>
             <a:r>
               <a:rPr lang="en-US" sz="1000">
@@ -12808,7 +12772,7 @@
                 <a:cs typeface="Calibri"/>
                 <a:sym typeface="Calibri"/>
               </a:rPr>
-              <a:t>- - Oct 17</a:t>
+              <a:t>-  Oct 13</a:t>
             </a:r>
             <a:endParaRPr sz="1000">
               <a:solidFill>
@@ -12900,8 +12864,8 @@
         </p:nvSpPr>
         <p:spPr>
           <a:xfrm>
-            <a:off x="4438308" y="4279339"/>
-            <a:ext cx="877800" cy="152400"/>
+            <a:off x="4101024" y="4272300"/>
+            <a:ext cx="975000" cy="152400"/>
           </a:xfrm>
           <a:prstGeom prst="rect">
             <a:avLst/>
@@ -12936,7 +12900,7 @@
                 <a:cs typeface="Calibri"/>
                 <a:sym typeface="Calibri"/>
               </a:rPr>
-              <a:t>Oct 18 - </a:t>
+              <a:t>Oct 16 -  </a:t>
             </a:r>
             <a:r>
               <a:rPr lang="en-US" sz="1000">
@@ -12948,7 +12912,7 @@
                 <a:cs typeface="Calibri"/>
                 <a:sym typeface="Calibri"/>
               </a:rPr>
-              <a:t>- Nov 07</a:t>
+              <a:t>Oct 27</a:t>
             </a:r>
             <a:endParaRPr sz="1000">
               <a:solidFill>
@@ -13051,7 +13015,7 @@
         </p:nvSpPr>
         <p:spPr>
           <a:xfrm>
-            <a:off x="5224099" y="4558850"/>
+            <a:off x="4841124" y="4535675"/>
             <a:ext cx="1034100" cy="152400"/>
           </a:xfrm>
           <a:prstGeom prst="rect">
@@ -13087,7 +13051,7 @@
                 <a:cs typeface="Calibri"/>
                 <a:sym typeface="Calibri"/>
               </a:rPr>
-              <a:t>Nov 08 </a:t>
+              <a:t>Oct 30</a:t>
             </a:r>
             <a:r>
               <a:rPr lang="en-US" sz="1000">
@@ -13099,7 +13063,7 @@
                 <a:cs typeface="Calibri"/>
                 <a:sym typeface="Calibri"/>
               </a:rPr>
-              <a:t> - Nov 21</a:t>
+              <a:t> - Nov 10</a:t>
             </a:r>
             <a:endParaRPr sz="1000">
               <a:solidFill>
@@ -13202,7 +13166,7 @@
         </p:nvSpPr>
         <p:spPr>
           <a:xfrm>
-            <a:off x="5983525" y="4889050"/>
+            <a:off x="5571987" y="4877513"/>
             <a:ext cx="975000" cy="152400"/>
           </a:xfrm>
           <a:prstGeom prst="rect">
@@ -13238,7 +13202,7 @@
                 <a:cs typeface="Calibri"/>
                 <a:sym typeface="Calibri"/>
               </a:rPr>
-              <a:t>Nov 22 - Dec 05</a:t>
+              <a:t>Nov 13 - Nov 24 </a:t>
             </a:r>
             <a:endParaRPr sz="1000">
               <a:solidFill>
@@ -13351,7 +13315,7 @@
         </p:nvSpPr>
         <p:spPr>
           <a:xfrm rot="-5400000">
-            <a:off x="4661638" y="1816126"/>
+            <a:off x="4664813" y="1842676"/>
             <a:ext cx="89850" cy="269125"/>
           </a:xfrm>
           <a:prstGeom prst="flowChartMerge">
@@ -13409,8 +13373,8 @@
         </p:nvSpPr>
         <p:spPr>
           <a:xfrm>
-            <a:off x="4602317" y="1721640"/>
-            <a:ext cx="703200" cy="135600"/>
+            <a:off x="4673600" y="1193925"/>
+            <a:ext cx="1034100" cy="677400"/>
           </a:xfrm>
           <a:prstGeom prst="rect">
             <a:avLst/>
@@ -13448,11 +13412,296 @@
                 <a:cs typeface="Calibri"/>
                 <a:sym typeface="Calibri"/>
               </a:rPr>
-              <a:t>Milestone 4</a:t>
+              <a:t>Desarrollo del Módulo de Docente y Estudiante (Historia Clinica):</a:t>
             </a:r>
             <a:endParaRPr sz="1100">
               <a:solidFill>
                 <a:schemeClr val="dk1"/>
+              </a:solidFill>
+              <a:latin typeface="Calibri"/>
+              <a:ea typeface="Calibri"/>
+              <a:cs typeface="Calibri"/>
+              <a:sym typeface="Calibri"/>
+            </a:endParaRPr>
+          </a:p>
+        </p:txBody>
+      </p:sp>
+      <p:cxnSp>
+        <p:nvCxnSpPr>
+          <p:cNvPr id="134" name="Google Shape;134;p1"/>
+          <p:cNvCxnSpPr>
+            <a:endCxn id="135" idx="1"/>
+          </p:cNvCxnSpPr>
+          <p:nvPr/>
+        </p:nvCxnSpPr>
+        <p:spPr>
+          <a:xfrm flipH="1" rot="10800000">
+            <a:off x="944249" y="5320925"/>
+            <a:ext cx="4486200" cy="25500"/>
+          </a:xfrm>
+          <a:prstGeom prst="straightConnector1">
+            <a:avLst/>
+          </a:prstGeom>
+          <a:noFill/>
+          <a:ln cap="flat" cmpd="sng" w="9525">
+            <a:solidFill>
+              <a:srgbClr val="CCCCCC"/>
+            </a:solidFill>
+            <a:prstDash val="solid"/>
+            <a:miter lim="800000"/>
+            <a:headEnd len="sm" w="sm" type="none"/>
+            <a:tailEnd len="sm" w="sm" type="none"/>
+          </a:ln>
+        </p:spPr>
+      </p:cxnSp>
+      <p:sp>
+        <p:nvSpPr>
+          <p:cNvPr id="135" name="Google Shape;135;p1"/>
+          <p:cNvSpPr/>
+          <p:nvPr/>
+        </p:nvSpPr>
+        <p:spPr>
+          <a:xfrm>
+            <a:off x="5430449" y="5219375"/>
+            <a:ext cx="779100" cy="203100"/>
+          </a:xfrm>
+          <a:prstGeom prst="homePlate">
+            <a:avLst>
+              <a:gd fmla="val 50000" name="adj"/>
+            </a:avLst>
+          </a:prstGeom>
+          <a:solidFill>
+            <a:srgbClr val="9BBB59"/>
+          </a:solidFill>
+          <a:ln>
+            <a:noFill/>
+          </a:ln>
+          <a:effectLst>
+            <a:outerShdw blurRad="44450">
+              <a:srgbClr val="000000">
+                <a:alpha val="29800"/>
+              </a:srgbClr>
+            </a:outerShdw>
+          </a:effectLst>
+        </p:spPr>
+        <p:txBody>
+          <a:bodyPr anchorCtr="0" anchor="ctr" bIns="45700" lIns="91425" spcFirstLastPara="1" rIns="91425" wrap="square" tIns="45700">
+            <a:noAutofit/>
+          </a:bodyPr>
+          <a:lstStyle/>
+          <a:p>
+            <a:pPr indent="0" lvl="0" marL="0" marR="0" rtl="0" algn="ctr">
+              <a:spcBef>
+                <a:spcPts val="0"/>
+              </a:spcBef>
+              <a:spcAft>
+                <a:spcPts val="0"/>
+              </a:spcAft>
+              <a:buNone/>
+            </a:pPr>
+            <a:r>
+              <a:t/>
+            </a:r>
+            <a:endParaRPr b="0" i="0" sz="1800" u="none" cap="none" strike="noStrike">
+              <a:solidFill>
+                <a:schemeClr val="lt1"/>
+              </a:solidFill>
+              <a:latin typeface="Calibri"/>
+              <a:ea typeface="Calibri"/>
+              <a:cs typeface="Calibri"/>
+              <a:sym typeface="Calibri"/>
+            </a:endParaRPr>
+          </a:p>
+        </p:txBody>
+      </p:sp>
+      <p:sp>
+        <p:nvSpPr>
+          <p:cNvPr id="136" name="Google Shape;136;p1"/>
+          <p:cNvSpPr txBox="1"/>
+          <p:nvPr/>
+        </p:nvSpPr>
+        <p:spPr>
+          <a:xfrm>
+            <a:off x="203200" y="5262425"/>
+            <a:ext cx="564000" cy="338700"/>
+          </a:xfrm>
+          <a:prstGeom prst="rect">
+            <a:avLst/>
+          </a:prstGeom>
+          <a:noFill/>
+          <a:ln>
+            <a:noFill/>
+          </a:ln>
+        </p:spPr>
+        <p:txBody>
+          <a:bodyPr anchorCtr="0" anchor="ctr" bIns="0" lIns="0" spcFirstLastPara="1" rIns="0" wrap="square" tIns="0">
+            <a:spAutoFit/>
+          </a:bodyPr>
+          <a:lstStyle/>
+          <a:p>
+            <a:pPr indent="0" lvl="0" marL="0" marR="0" rtl="0" algn="l">
+              <a:spcBef>
+                <a:spcPts val="0"/>
+              </a:spcBef>
+              <a:spcAft>
+                <a:spcPts val="0"/>
+              </a:spcAft>
+              <a:buNone/>
+            </a:pPr>
+            <a:r>
+              <a:rPr b="1" lang="en-US" sz="1100">
+                <a:solidFill>
+                  <a:schemeClr val="dk1"/>
+                </a:solidFill>
+                <a:latin typeface="Calibri"/>
+                <a:ea typeface="Calibri"/>
+                <a:cs typeface="Calibri"/>
+                <a:sym typeface="Calibri"/>
+              </a:rPr>
+              <a:t>Sprint 5</a:t>
+            </a:r>
+            <a:endParaRPr b="1" sz="1100">
+              <a:solidFill>
+                <a:schemeClr val="dk1"/>
+              </a:solidFill>
+              <a:latin typeface="Calibri"/>
+              <a:ea typeface="Calibri"/>
+              <a:cs typeface="Calibri"/>
+              <a:sym typeface="Calibri"/>
+            </a:endParaRPr>
+          </a:p>
+          <a:p>
+            <a:pPr indent="0" lvl="0" marL="0" marR="0" rtl="0" algn="l">
+              <a:spcBef>
+                <a:spcPts val="0"/>
+              </a:spcBef>
+              <a:spcAft>
+                <a:spcPts val="0"/>
+              </a:spcAft>
+              <a:buNone/>
+            </a:pPr>
+            <a:r>
+              <a:t/>
+            </a:r>
+            <a:endParaRPr b="1" sz="1100">
+              <a:solidFill>
+                <a:schemeClr val="dk1"/>
+              </a:solidFill>
+              <a:latin typeface="Calibri"/>
+              <a:ea typeface="Calibri"/>
+              <a:cs typeface="Calibri"/>
+              <a:sym typeface="Calibri"/>
+            </a:endParaRPr>
+          </a:p>
+        </p:txBody>
+      </p:sp>
+      <p:sp>
+        <p:nvSpPr>
+          <p:cNvPr id="137" name="Google Shape;137;p1"/>
+          <p:cNvSpPr txBox="1"/>
+          <p:nvPr/>
+        </p:nvSpPr>
+        <p:spPr>
+          <a:xfrm>
+            <a:off x="6256525" y="5244725"/>
+            <a:ext cx="975000" cy="152400"/>
+          </a:xfrm>
+          <a:prstGeom prst="rect">
+            <a:avLst/>
+          </a:prstGeom>
+          <a:noFill/>
+          <a:ln>
+            <a:noFill/>
+          </a:ln>
+        </p:spPr>
+        <p:txBody>
+          <a:bodyPr anchorCtr="0" anchor="ctr" bIns="0" lIns="0" spcFirstLastPara="1" rIns="0" wrap="square" tIns="0">
+            <a:noAutofit/>
+          </a:bodyPr>
+          <a:lstStyle/>
+          <a:p>
+            <a:pPr indent="0" lvl="0" marL="0" marR="0" rtl="0" algn="ctr">
+              <a:spcBef>
+                <a:spcPts val="0"/>
+              </a:spcBef>
+              <a:spcAft>
+                <a:spcPts val="0"/>
+              </a:spcAft>
+              <a:buNone/>
+            </a:pPr>
+            <a:r>
+              <a:rPr lang="en-US" sz="1000">
+                <a:solidFill>
+                  <a:schemeClr val="dk1"/>
+                </a:solidFill>
+                <a:latin typeface="Calibri"/>
+                <a:ea typeface="Calibri"/>
+                <a:cs typeface="Calibri"/>
+                <a:sym typeface="Calibri"/>
+              </a:rPr>
+              <a:t>Nov 27 - Dec 05</a:t>
+            </a:r>
+            <a:endParaRPr sz="1000">
+              <a:solidFill>
+                <a:schemeClr val="dk1"/>
+              </a:solidFill>
+              <a:latin typeface="Calibri"/>
+              <a:ea typeface="Calibri"/>
+              <a:cs typeface="Calibri"/>
+              <a:sym typeface="Calibri"/>
+            </a:endParaRPr>
+          </a:p>
+        </p:txBody>
+      </p:sp>
+      <p:sp>
+        <p:nvSpPr>
+          <p:cNvPr id="138" name="Google Shape;138;p1"/>
+          <p:cNvSpPr/>
+          <p:nvPr/>
+        </p:nvSpPr>
+        <p:spPr>
+          <a:xfrm>
+            <a:off x="4752925" y="4876413"/>
+            <a:ext cx="724500" cy="203100"/>
+          </a:xfrm>
+          <a:prstGeom prst="rect">
+            <a:avLst/>
+          </a:prstGeom>
+          <a:solidFill>
+            <a:srgbClr val="C85050"/>
+          </a:solidFill>
+          <a:ln>
+            <a:noFill/>
+          </a:ln>
+          <a:effectLst>
+            <a:outerShdw blurRad="44450">
+              <a:srgbClr val="000000">
+                <a:alpha val="29800"/>
+              </a:srgbClr>
+            </a:outerShdw>
+          </a:effectLst>
+        </p:spPr>
+        <p:txBody>
+          <a:bodyPr anchorCtr="0" anchor="ctr" bIns="45700" lIns="91425" spcFirstLastPara="1" rIns="91425" wrap="square" tIns="45700">
+            <a:noAutofit/>
+          </a:bodyPr>
+          <a:lstStyle/>
+          <a:p>
+            <a:pPr indent="0" lvl="0" marL="0" marR="0" rtl="0" algn="ctr">
+              <a:spcBef>
+                <a:spcPts val="0"/>
+              </a:spcBef>
+              <a:spcAft>
+                <a:spcPts val="0"/>
+              </a:spcAft>
+              <a:buNone/>
+            </a:pPr>
+            <a:r>
+              <a:t/>
+            </a:r>
+            <a:endParaRPr b="0" i="0" sz="1800" u="none" cap="none" strike="noStrike">
+              <a:solidFill>
+                <a:schemeClr val="lt1"/>
               </a:solidFill>
               <a:latin typeface="Calibri"/>
               <a:ea typeface="Calibri"/>
